--- a/doc/c#_teach/c#_intro.pptx
+++ b/doc/c#_teach/c#_intro.pptx
@@ -479,7 +479,7 @@
           <a:p>
             <a:fld id="{5F2F6395-FEF5-46A5-9842-96D866342840}" type="datetimeFigureOut">
               <a:rPr lang="en-US" smtClean="0"/>
-              <a:t>11/20/2017</a:t>
+              <a:t>11/22/2017</a:t>
             </a:fld>
             <a:endParaRPr lang="en-US"/>
           </a:p>
@@ -1567,7 +1567,7 @@
           <a:p>
             <a:fld id="{5F2F6395-FEF5-46A5-9842-96D866342840}" type="datetimeFigureOut">
               <a:rPr lang="en-US" smtClean="0"/>
-              <a:t>11/20/2017</a:t>
+              <a:t>11/22/2017</a:t>
             </a:fld>
             <a:endParaRPr lang="en-US"/>
           </a:p>
@@ -2547,7 +2547,7 @@
           <a:p>
             <a:fld id="{5F2F6395-FEF5-46A5-9842-96D866342840}" type="datetimeFigureOut">
               <a:rPr lang="en-US" smtClean="0"/>
-              <a:t>11/20/2017</a:t>
+              <a:t>11/22/2017</a:t>
             </a:fld>
             <a:endParaRPr lang="en-US"/>
           </a:p>
@@ -3681,7 +3681,7 @@
           <a:p>
             <a:fld id="{5F2F6395-FEF5-46A5-9842-96D866342840}" type="datetimeFigureOut">
               <a:rPr lang="en-US" smtClean="0"/>
-              <a:t>11/20/2017</a:t>
+              <a:t>11/22/2017</a:t>
             </a:fld>
             <a:endParaRPr lang="en-US"/>
           </a:p>
@@ -4714,7 +4714,7 @@
           <a:p>
             <a:fld id="{5F2F6395-FEF5-46A5-9842-96D866342840}" type="datetimeFigureOut">
               <a:rPr lang="en-US" smtClean="0"/>
-              <a:t>11/20/2017</a:t>
+              <a:t>11/22/2017</a:t>
             </a:fld>
             <a:endParaRPr lang="en-US"/>
           </a:p>
@@ -5374,7 +5374,7 @@
           <a:p>
             <a:fld id="{5F2F6395-FEF5-46A5-9842-96D866342840}" type="datetimeFigureOut">
               <a:rPr lang="en-US" smtClean="0"/>
-              <a:t>11/20/2017</a:t>
+              <a:t>11/22/2017</a:t>
             </a:fld>
             <a:endParaRPr lang="en-US"/>
           </a:p>
@@ -6235,7 +6235,7 @@
           <a:p>
             <a:fld id="{5F2F6395-FEF5-46A5-9842-96D866342840}" type="datetimeFigureOut">
               <a:rPr lang="en-US" smtClean="0"/>
-              <a:t>11/20/2017</a:t>
+              <a:t>11/22/2017</a:t>
             </a:fld>
             <a:endParaRPr lang="en-US"/>
           </a:p>
@@ -6425,7 +6425,7 @@
           <a:p>
             <a:fld id="{5F2F6395-FEF5-46A5-9842-96D866342840}" type="datetimeFigureOut">
               <a:rPr lang="en-US" smtClean="0"/>
-              <a:t>11/20/2017</a:t>
+              <a:t>11/22/2017</a:t>
             </a:fld>
             <a:endParaRPr lang="en-US"/>
           </a:p>
@@ -7397,7 +7397,7 @@
           <a:p>
             <a:fld id="{5F2F6395-FEF5-46A5-9842-96D866342840}" type="datetimeFigureOut">
               <a:rPr lang="en-US" smtClean="0"/>
-              <a:t>11/20/2017</a:t>
+              <a:t>11/22/2017</a:t>
             </a:fld>
             <a:endParaRPr lang="en-US"/>
           </a:p>
@@ -7659,7 +7659,7 @@
             <a:fld id="{5F2F6395-FEF5-46A5-9842-96D866342840}" type="datetimeFigureOut">
               <a:rPr lang="en-US" smtClean="0"/>
               <a:pPr/>
-              <a:t>11/20/2017</a:t>
+              <a:t>11/22/2017</a:t>
             </a:fld>
             <a:endParaRPr lang="en-US"/>
           </a:p>
@@ -8702,7 +8702,7 @@
           <a:p>
             <a:fld id="{5F2F6395-FEF5-46A5-9842-96D866342840}" type="datetimeFigureOut">
               <a:rPr lang="en-US" smtClean="0"/>
-              <a:t>11/20/2017</a:t>
+              <a:t>11/22/2017</a:t>
             </a:fld>
             <a:endParaRPr lang="en-US"/>
           </a:p>
@@ -8974,7 +8974,7 @@
           <a:p>
             <a:fld id="{5F2F6395-FEF5-46A5-9842-96D866342840}" type="datetimeFigureOut">
               <a:rPr lang="en-US" smtClean="0"/>
-              <a:t>11/20/2017</a:t>
+              <a:t>11/22/2017</a:t>
             </a:fld>
             <a:endParaRPr lang="en-US"/>
           </a:p>
@@ -9384,7 +9384,7 @@
           <a:p>
             <a:fld id="{5F2F6395-FEF5-46A5-9842-96D866342840}" type="datetimeFigureOut">
               <a:rPr lang="en-US" smtClean="0"/>
-              <a:t>11/20/2017</a:t>
+              <a:t>11/22/2017</a:t>
             </a:fld>
             <a:endParaRPr lang="en-US"/>
           </a:p>
@@ -9511,7 +9511,7 @@
           <a:p>
             <a:fld id="{5F2F6395-FEF5-46A5-9842-96D866342840}" type="datetimeFigureOut">
               <a:rPr lang="en-US" smtClean="0"/>
-              <a:t>11/20/2017</a:t>
+              <a:t>11/22/2017</a:t>
             </a:fld>
             <a:endParaRPr lang="en-US"/>
           </a:p>
@@ -9606,7 +9606,7 @@
           <a:p>
             <a:fld id="{5F2F6395-FEF5-46A5-9842-96D866342840}" type="datetimeFigureOut">
               <a:rPr lang="en-US" smtClean="0"/>
-              <a:t>11/20/2017</a:t>
+              <a:t>11/22/2017</a:t>
             </a:fld>
             <a:endParaRPr lang="en-US"/>
           </a:p>
@@ -10687,7 +10687,7 @@
           <a:p>
             <a:fld id="{5F2F6395-FEF5-46A5-9842-96D866342840}" type="datetimeFigureOut">
               <a:rPr lang="en-US" smtClean="0"/>
-              <a:t>11/20/2017</a:t>
+              <a:t>11/22/2017</a:t>
             </a:fld>
             <a:endParaRPr lang="en-US"/>
           </a:p>
@@ -11795,7 +11795,7 @@
           <a:p>
             <a:fld id="{5F2F6395-FEF5-46A5-9842-96D866342840}" type="datetimeFigureOut">
               <a:rPr lang="en-US" smtClean="0"/>
-              <a:t>11/20/2017</a:t>
+              <a:t>11/22/2017</a:t>
             </a:fld>
             <a:endParaRPr lang="en-US"/>
           </a:p>
@@ -12792,7 +12792,7 @@
           <a:p>
             <a:fld id="{5F2F6395-FEF5-46A5-9842-96D866342840}" type="datetimeFigureOut">
               <a:rPr lang="en-US" smtClean="0"/>
-              <a:t>11/20/2017</a:t>
+              <a:t>11/22/2017</a:t>
             </a:fld>
             <a:endParaRPr lang="en-US"/>
           </a:p>
@@ -13397,17 +13397,25 @@
         </p:nvSpPr>
         <p:spPr/>
         <p:txBody>
-          <a:bodyPr/>
+          <a:bodyPr>
+            <a:normAutofit/>
+          </a:bodyPr>
           <a:lstStyle/>
           <a:p>
             <a:pPr algn="r"/>
             <a:r>
-              <a:rPr lang="fa-IR" dirty="0" smtClean="0">
+              <a:rPr lang="fa-IR" sz="2400" dirty="0" smtClean="0">
+                <a:solidFill>
+                  <a:schemeClr val="bg1"/>
+                </a:solidFill>
                 <a:cs typeface="B Nazanin" panose="00000400000000000000" pitchFamily="2" charset="-78"/>
               </a:rPr>
               <a:t>معرفی</a:t>
             </a:r>
-            <a:endParaRPr lang="en-US" dirty="0">
+            <a:endParaRPr lang="en-US" sz="2400" dirty="0">
+              <a:solidFill>
+                <a:schemeClr val="bg1"/>
+              </a:solidFill>
               <a:cs typeface="B Nazanin" panose="00000400000000000000" pitchFamily="2" charset="-78"/>
             </a:endParaRPr>
           </a:p>
@@ -13666,6 +13674,119 @@
                   </a:srgbClr>
                 </a:outerShdw>
               </a:effectLst>
+              <a:cs typeface="B Nazanin" panose="00000400000000000000" pitchFamily="2" charset="-78"/>
+            </a:endParaRPr>
+          </a:p>
+        </p:txBody>
+      </p:sp>
+      <p:sp>
+        <p:nvSpPr>
+          <p:cNvPr id="6" name="TextBox 5"/>
+          <p:cNvSpPr txBox="1"/>
+          <p:nvPr/>
+        </p:nvSpPr>
+        <p:spPr>
+          <a:xfrm>
+            <a:off x="630275" y="5433391"/>
+            <a:ext cx="4697099" cy="923330"/>
+          </a:xfrm>
+          <a:prstGeom prst="rect">
+            <a:avLst/>
+          </a:prstGeom>
+          <a:noFill/>
+        </p:spPr>
+        <p:txBody>
+          <a:bodyPr wrap="square" rtlCol="0">
+            <a:spAutoFit/>
+          </a:bodyPr>
+          <a:lstStyle/>
+          <a:p>
+            <a:pPr algn="r" rtl="1"/>
+            <a:r>
+              <a:rPr lang="fa-IR" dirty="0">
+                <a:solidFill>
+                  <a:schemeClr val="bg1"/>
+                </a:solidFill>
+                <a:cs typeface="B Nazanin" panose="00000400000000000000" pitchFamily="2" charset="-78"/>
+              </a:rPr>
+              <a:t>تنظیم: سهیل </a:t>
+            </a:r>
+            <a:r>
+              <a:rPr lang="fa-IR" dirty="0" smtClean="0">
+                <a:solidFill>
+                  <a:schemeClr val="bg1"/>
+                </a:solidFill>
+                <a:cs typeface="B Nazanin" panose="00000400000000000000" pitchFamily="2" charset="-78"/>
+              </a:rPr>
+              <a:t>رمضانزاده (</a:t>
+            </a:r>
+            <a:r>
+              <a:rPr lang="en-US" dirty="0" smtClean="0">
+                <a:solidFill>
+                  <a:schemeClr val="bg1"/>
+                </a:solidFill>
+                <a:cs typeface="B Nazanin" panose="00000400000000000000" pitchFamily="2" charset="-78"/>
+              </a:rPr>
+              <a:t>soheillamso@gmail.com</a:t>
+            </a:r>
+            <a:r>
+              <a:rPr lang="fa-IR" dirty="0" smtClean="0">
+                <a:solidFill>
+                  <a:schemeClr val="bg1"/>
+                </a:solidFill>
+                <a:cs typeface="B Nazanin" panose="00000400000000000000" pitchFamily="2" charset="-78"/>
+              </a:rPr>
+              <a:t>)</a:t>
+            </a:r>
+            <a:endParaRPr lang="en-US" dirty="0">
+              <a:solidFill>
+                <a:schemeClr val="bg1"/>
+              </a:solidFill>
+              <a:cs typeface="B Nazanin" panose="00000400000000000000" pitchFamily="2" charset="-78"/>
+            </a:endParaRPr>
+          </a:p>
+          <a:p>
+            <a:pPr algn="r" rtl="1"/>
+            <a:r>
+              <a:rPr lang="fa-IR" dirty="0">
+                <a:solidFill>
+                  <a:schemeClr val="bg1"/>
+                </a:solidFill>
+                <a:cs typeface="B Nazanin" panose="00000400000000000000" pitchFamily="2" charset="-78"/>
+              </a:rPr>
+              <a:t>آخرین بروزرسانی </a:t>
+            </a:r>
+            <a:r>
+              <a:rPr lang="fa-IR">
+                <a:solidFill>
+                  <a:schemeClr val="bg1"/>
+                </a:solidFill>
+                <a:cs typeface="B Nazanin" panose="00000400000000000000" pitchFamily="2" charset="-78"/>
+              </a:rPr>
+              <a:t>: </a:t>
+            </a:r>
+            <a:r>
+              <a:rPr lang="fa-IR" smtClean="0">
+                <a:solidFill>
+                  <a:schemeClr val="bg1"/>
+                </a:solidFill>
+                <a:cs typeface="B Nazanin" panose="00000400000000000000" pitchFamily="2" charset="-78"/>
+              </a:rPr>
+              <a:t>1396/08/01</a:t>
+            </a:r>
+            <a:endParaRPr lang="fa-IR" dirty="0">
+              <a:solidFill>
+                <a:schemeClr val="bg1"/>
+              </a:solidFill>
+              <a:cs typeface="B Nazanin" panose="00000400000000000000" pitchFamily="2" charset="-78"/>
+            </a:endParaRPr>
+          </a:p>
+          <a:p>
+            <a:pPr algn="r" rtl="1"/>
+            <a:endParaRPr lang="en-US" dirty="0">
+              <a:solidFill>
+                <a:schemeClr val="bg1"/>
+              </a:solidFill>
               <a:cs typeface="B Nazanin" panose="00000400000000000000" pitchFamily="2" charset="-78"/>
             </a:endParaRPr>
           </a:p>
